--- a/Redi Project powerpoint.pptx
+++ b/Redi Project powerpoint.pptx
@@ -17769,7 +17769,7 @@
                 <a:ea typeface="Arial" pitchFamily="34" charset="-122"/>
                 <a:cs typeface="Arial" pitchFamily="34" charset="-120"/>
               </a:rPr>
-              <a:t>Analyzing Gender Representation Across 118 U.S. Cities</a:t>
+              <a:t>Analyzing Gender Representation Across 117 U.S. Cities</a:t>
             </a:r>
             <a:endParaRPr lang="en-US" sz="2250" kern="1200" dirty="0">
               <a:solidFill>
@@ -18229,7 +18229,7 @@
         <p:spPr>
           <a:xfrm>
             <a:off x="2796034" y="3116610"/>
-            <a:ext cx="3551783" cy="415230"/>
+            <a:ext cx="4365812" cy="415230"/>
           </a:xfrm>
           <a:prstGeom prst="roundRect">
             <a:avLst>
@@ -18279,8 +18279,8 @@
         </p:nvSpPr>
         <p:spPr>
           <a:xfrm>
-            <a:off x="2967484" y="3230910"/>
-            <a:ext cx="3273061" cy="186630"/>
+            <a:off x="2967484" y="3230909"/>
+            <a:ext cx="4004816" cy="230747"/>
           </a:xfrm>
           <a:prstGeom prst="rect">
             <a:avLst/>
@@ -18320,7 +18320,7 @@
                 <a:ea typeface="Arial" pitchFamily="34" charset="-122"/>
                 <a:cs typeface="Arial" pitchFamily="34" charset="-120"/>
               </a:rPr>
-              <a:t> github.com/[username]/women-stem-analysis</a:t>
+              <a:t> https://github.com/Refinedlv/Women-in-Stem-Redi/upload</a:t>
             </a:r>
             <a:endParaRPr lang="en-US" sz="1050" kern="1200" dirty="0">
               <a:solidFill>
@@ -22606,7 +22606,7 @@
               </a:defRPr>
             </a:pPr>
             <a:r>
-              <a:rPr sz="900" b="1" kern="1200">
+              <a:rPr sz="900" b="1" kern="1200" dirty="0">
                 <a:solidFill>
                   <a:srgbClr val="6B46C1"/>
                 </a:solidFill>
@@ -22660,7 +22660,7 @@
               </a:defRPr>
             </a:pPr>
             <a:r>
-              <a:rPr sz="900" b="1" kern="1200">
+              <a:rPr sz="900" b="1" kern="1200" dirty="0">
                 <a:solidFill>
                   <a:srgbClr val="6B46C1"/>
                 </a:solidFill>
@@ -22714,7 +22714,7 @@
               </a:defRPr>
             </a:pPr>
             <a:r>
-              <a:rPr sz="900" b="1" kern="1200">
+              <a:rPr sz="900" b="1" kern="1200" dirty="0">
                 <a:solidFill>
                   <a:srgbClr val="6B46C1"/>
                 </a:solidFill>

--- a/Redi Project powerpoint.pptx
+++ b/Redi Project powerpoint.pptx
@@ -22112,119 +22112,6 @@
       </p:sp>
       <p:sp>
         <p:nvSpPr>
-          <p:cNvPr id="35" name="TextBox 34">
-            <a:extLst>
-              <a:ext uri="{FF2B5EF4-FFF2-40B4-BE49-F238E27FC236}">
-                <a16:creationId xmlns:a16="http://schemas.microsoft.com/office/drawing/2014/main" id="{637254EA-AB89-DDD6-42D2-C6E5B4A8E0A7}"/>
-              </a:ext>
-            </a:extLst>
-          </p:cNvPr>
-          <p:cNvSpPr txBox="1"/>
-          <p:nvPr/>
-        </p:nvSpPr>
-        <p:spPr>
-          <a:xfrm>
-            <a:off x="4953000" y="1900059"/>
-            <a:ext cx="3657600" cy="457200"/>
-          </a:xfrm>
-          <a:prstGeom prst="rect">
-            <a:avLst/>
-          </a:prstGeom>
-          <a:solidFill>
-            <a:srgbClr val="ECFDF5"/>
-          </a:solidFill>
-        </p:spPr>
-        <p:txBody>
-          <a:bodyPr wrap="none">
-            <a:spAutoFit/>
-          </a:bodyPr>
-          <a:lstStyle/>
-          <a:p>
-            <a:pPr>
-              <a:defRPr sz="1200" b="1"/>
-            </a:pPr>
-            <a:r>
-              <a:t>80% of cities growing (2015-2019)</a:t>
-            </a:r>
-          </a:p>
-        </p:txBody>
-      </p:sp>
-      <p:sp>
-        <p:nvSpPr>
-          <p:cNvPr id="36" name="TextBox 35">
-            <a:extLst>
-              <a:ext uri="{FF2B5EF4-FFF2-40B4-BE49-F238E27FC236}">
-                <a16:creationId xmlns:a16="http://schemas.microsoft.com/office/drawing/2014/main" id="{C69ED6A0-9A4D-A6BA-D403-18F78B7171A4}"/>
-              </a:ext>
-            </a:extLst>
-          </p:cNvPr>
-          <p:cNvSpPr txBox="1"/>
-          <p:nvPr/>
-        </p:nvSpPr>
-        <p:spPr>
-          <a:xfrm>
-            <a:off x="4953000" y="2448699"/>
-            <a:ext cx="3657600" cy="365760"/>
-          </a:xfrm>
-          <a:prstGeom prst="rect">
-            <a:avLst/>
-          </a:prstGeom>
-          <a:noFill/>
-        </p:spPr>
-        <p:txBody>
-          <a:bodyPr wrap="none">
-            <a:spAutoFit/>
-          </a:bodyPr>
-          <a:lstStyle/>
-          <a:p>
-            <a:pPr>
-              <a:defRPr sz="1100"/>
-            </a:pPr>
-            <a:r>
-              <a:t>Top Growth: Oxnard +26.5%</a:t>
-            </a:r>
-          </a:p>
-        </p:txBody>
-      </p:sp>
-      <p:sp>
-        <p:nvSpPr>
-          <p:cNvPr id="37" name="TextBox 36">
-            <a:extLst>
-              <a:ext uri="{FF2B5EF4-FFF2-40B4-BE49-F238E27FC236}">
-                <a16:creationId xmlns:a16="http://schemas.microsoft.com/office/drawing/2014/main" id="{49ED4C81-1AC0-4646-F168-8AC5C6B5BF46}"/>
-              </a:ext>
-            </a:extLst>
-          </p:cNvPr>
-          <p:cNvSpPr txBox="1"/>
-          <p:nvPr/>
-        </p:nvSpPr>
-        <p:spPr>
-          <a:xfrm>
-            <a:off x="4953000" y="2905899"/>
-            <a:ext cx="3657600" cy="365760"/>
-          </a:xfrm>
-          <a:prstGeom prst="rect">
-            <a:avLst/>
-          </a:prstGeom>
-          <a:noFill/>
-        </p:spPr>
-        <p:txBody>
-          <a:bodyPr wrap="none">
-            <a:spAutoFit/>
-          </a:bodyPr>
-          <a:lstStyle/>
-          <a:p>
-            <a:pPr>
-              <a:defRPr sz="1100"/>
-            </a:pPr>
-            <a:r>
-              <a:t>Avg Growth: +2.8% annually</a:t>
-            </a:r>
-          </a:p>
-        </p:txBody>
-      </p:sp>
-      <p:sp>
-        <p:nvSpPr>
           <p:cNvPr id="38" name="TextBox 37">
             <a:extLst>
               <a:ext uri="{FF2B5EF4-FFF2-40B4-BE49-F238E27FC236}">
@@ -22237,7 +22124,7 @@
         </p:nvSpPr>
         <p:spPr>
           <a:xfrm>
-            <a:off x="381000" y="3728859"/>
+            <a:off x="457200" y="4094619"/>
             <a:ext cx="8229600" cy="731520"/>
           </a:xfrm>
           <a:prstGeom prst="rect">
@@ -22257,7 +22144,295 @@
               <a:defRPr sz="1100"/>
             </a:pPr>
             <a:r>
+              <a:rPr dirty="0"/>
               <a:t>Key Insight: Progress is happening but slow—pay gaps persist even in high-representation cities</a:t>
+            </a:r>
+          </a:p>
+        </p:txBody>
+      </p:sp>
+      <p:sp>
+        <p:nvSpPr>
+          <p:cNvPr id="2" name="TextBox 1">
+            <a:extLst>
+              <a:ext uri="{FF2B5EF4-FFF2-40B4-BE49-F238E27FC236}">
+                <a16:creationId xmlns:a16="http://schemas.microsoft.com/office/drawing/2014/main" id="{260B0A91-A806-0245-096E-7F267FB3B80E}"/>
+              </a:ext>
+            </a:extLst>
+          </p:cNvPr>
+          <p:cNvSpPr txBox="1"/>
+          <p:nvPr/>
+        </p:nvSpPr>
+        <p:spPr>
+          <a:xfrm>
+            <a:off x="272473" y="1488579"/>
+            <a:ext cx="4114800" cy="365760"/>
+          </a:xfrm>
+          <a:prstGeom prst="rect">
+            <a:avLst/>
+          </a:prstGeom>
+          <a:noFill/>
+        </p:spPr>
+        <p:txBody>
+          <a:bodyPr wrap="none">
+            <a:spAutoFit/>
+          </a:bodyPr>
+          <a:lstStyle/>
+          <a:p>
+            <a:pPr defTabSz="457200">
+              <a:buClrTx/>
+              <a:buFontTx/>
+              <a:buNone/>
+              <a:defRPr sz="1400" b="1">
+                <a:solidFill>
+                  <a:srgbClr val="EF4444"/>
+                </a:solidFill>
+              </a:defRPr>
+            </a:pPr>
+            <a:r>
+              <a:rPr b="1" kern="1200" dirty="0">
+                <a:solidFill>
+                  <a:srgbClr val="EF4444"/>
+                </a:solidFill>
+                <a:latin typeface="Calibri"/>
+                <a:ea typeface="+mn-ea"/>
+                <a:cs typeface="+mn-cs"/>
+              </a:rPr>
+              <a:t>💰 Pay Gap Reality</a:t>
+            </a:r>
+          </a:p>
+        </p:txBody>
+      </p:sp>
+      <p:sp>
+        <p:nvSpPr>
+          <p:cNvPr id="8" name="TextBox 7">
+            <a:extLst>
+              <a:ext uri="{FF2B5EF4-FFF2-40B4-BE49-F238E27FC236}">
+                <a16:creationId xmlns:a16="http://schemas.microsoft.com/office/drawing/2014/main" id="{D8253A55-39FE-2E75-DABA-7F90B6FF9DCE}"/>
+              </a:ext>
+            </a:extLst>
+          </p:cNvPr>
+          <p:cNvSpPr txBox="1"/>
+          <p:nvPr/>
+        </p:nvSpPr>
+        <p:spPr>
+          <a:xfrm>
+            <a:off x="4953000" y="1334141"/>
+            <a:ext cx="3657600" cy="365760"/>
+          </a:xfrm>
+          <a:prstGeom prst="rect">
+            <a:avLst/>
+          </a:prstGeom>
+          <a:noFill/>
+        </p:spPr>
+        <p:txBody>
+          <a:bodyPr wrap="none">
+            <a:spAutoFit/>
+          </a:bodyPr>
+          <a:lstStyle/>
+          <a:p>
+            <a:pPr defTabSz="457200">
+              <a:buClrTx/>
+              <a:buFontTx/>
+              <a:buNone/>
+              <a:defRPr sz="1400" b="1">
+                <a:solidFill>
+                  <a:srgbClr val="14B8A6"/>
+                </a:solidFill>
+              </a:defRPr>
+            </a:pPr>
+            <a:r>
+              <a:rPr b="1" kern="1200">
+                <a:solidFill>
+                  <a:srgbClr val="14B8A6"/>
+                </a:solidFill>
+                <a:latin typeface="Calibri"/>
+                <a:ea typeface="+mn-ea"/>
+                <a:cs typeface="+mn-cs"/>
+              </a:rPr>
+              <a:t>📈 Positive Trends</a:t>
+            </a:r>
+          </a:p>
+        </p:txBody>
+      </p:sp>
+      <p:sp>
+        <p:nvSpPr>
+          <p:cNvPr id="9" name="TextBox 8">
+            <a:extLst>
+              <a:ext uri="{FF2B5EF4-FFF2-40B4-BE49-F238E27FC236}">
+                <a16:creationId xmlns:a16="http://schemas.microsoft.com/office/drawing/2014/main" id="{1C19E72E-76E9-14D3-589C-25F3E9C861DD}"/>
+              </a:ext>
+            </a:extLst>
+          </p:cNvPr>
+          <p:cNvSpPr txBox="1"/>
+          <p:nvPr/>
+        </p:nvSpPr>
+        <p:spPr>
+          <a:xfrm>
+            <a:off x="5029200" y="1787070"/>
+            <a:ext cx="2678938" cy="1827295"/>
+          </a:xfrm>
+          <a:prstGeom prst="rect">
+            <a:avLst/>
+          </a:prstGeom>
+          <a:solidFill>
+            <a:srgbClr val="ECFDF5"/>
+          </a:solidFill>
+        </p:spPr>
+        <p:txBody>
+          <a:bodyPr wrap="none">
+            <a:spAutoFit/>
+          </a:bodyPr>
+          <a:lstStyle/>
+          <a:p>
+            <a:pPr defTabSz="457200">
+              <a:buClrTx/>
+              <a:buFontTx/>
+              <a:buNone/>
+              <a:defRPr sz="1600" b="1">
+                <a:solidFill>
+                  <a:srgbClr val="14B8A6"/>
+                </a:solidFill>
+              </a:defRPr>
+            </a:pPr>
+            <a:r>
+              <a:rPr sz="1600" b="1" kern="1200" dirty="0">
+                <a:solidFill>
+                  <a:srgbClr val="14B8A6"/>
+                </a:solidFill>
+                <a:latin typeface="Calibri"/>
+                <a:ea typeface="+mn-ea"/>
+                <a:cs typeface="+mn-cs"/>
+              </a:rPr>
+              <a:t>Positive Growth Trends</a:t>
+            </a:r>
+          </a:p>
+          <a:p>
+            <a:pPr defTabSz="457200">
+              <a:lnSpc>
+                <a:spcPct val="130000"/>
+              </a:lnSpc>
+              <a:spcAft>
+                <a:spcPts val="600"/>
+              </a:spcAft>
+              <a:buClrTx/>
+              <a:buFontTx/>
+              <a:buNone/>
+              <a:defRPr sz="1200"/>
+            </a:pPr>
+            <a:r>
+              <a:rPr sz="1200" kern="1200" dirty="0">
+                <a:solidFill>
+                  <a:prstClr val="black"/>
+                </a:solidFill>
+                <a:latin typeface="Calibri"/>
+                <a:ea typeface="+mn-ea"/>
+                <a:cs typeface="+mn-cs"/>
+              </a:rPr>
+              <a:t>• Women in STEM: +2.8% growth</a:t>
+            </a:r>
+          </a:p>
+          <a:p>
+            <a:pPr defTabSz="457200">
+              <a:lnSpc>
+                <a:spcPct val="130000"/>
+              </a:lnSpc>
+              <a:spcAft>
+                <a:spcPts val="600"/>
+              </a:spcAft>
+              <a:buClrTx/>
+              <a:buFontTx/>
+              <a:buNone/>
+              <a:defRPr sz="1200"/>
+            </a:pPr>
+            <a:r>
+              <a:rPr sz="1200" kern="1200" dirty="0">
+                <a:solidFill>
+                  <a:prstClr val="black"/>
+                </a:solidFill>
+                <a:latin typeface="Calibri"/>
+                <a:ea typeface="+mn-ea"/>
+                <a:cs typeface="+mn-cs"/>
+              </a:rPr>
+              <a:t>• Overall STEM jobs: +1.2% growth</a:t>
+            </a:r>
+          </a:p>
+          <a:p>
+            <a:pPr defTabSz="457200">
+              <a:lnSpc>
+                <a:spcPct val="130000"/>
+              </a:lnSpc>
+              <a:spcAft>
+                <a:spcPts val="600"/>
+              </a:spcAft>
+              <a:buClrTx/>
+              <a:buFontTx/>
+              <a:buNone/>
+              <a:defRPr sz="1200" b="1">
+                <a:solidFill>
+                  <a:srgbClr val="14B8A6"/>
+                </a:solidFill>
+              </a:defRPr>
+            </a:pPr>
+            <a:r>
+              <a:rPr sz="1200" b="1" kern="1200" dirty="0">
+                <a:solidFill>
+                  <a:srgbClr val="14B8A6"/>
+                </a:solidFill>
+                <a:latin typeface="Calibri"/>
+                <a:ea typeface="+mn-ea"/>
+                <a:cs typeface="+mn-cs"/>
+              </a:rPr>
+              <a:t>• Women growing 2.3x faster!</a:t>
+            </a:r>
+          </a:p>
+          <a:p>
+            <a:pPr defTabSz="457200">
+              <a:lnSpc>
+                <a:spcPct val="130000"/>
+              </a:lnSpc>
+              <a:spcAft>
+                <a:spcPts val="600"/>
+              </a:spcAft>
+              <a:buClrTx/>
+              <a:buFontTx/>
+              <a:buNone/>
+              <a:defRPr sz="1200"/>
+            </a:pPr>
+            <a:r>
+              <a:rPr sz="1200" kern="1200" dirty="0">
+                <a:solidFill>
+                  <a:prstClr val="black"/>
+                </a:solidFill>
+                <a:latin typeface="Calibri"/>
+                <a:ea typeface="+mn-ea"/>
+                <a:cs typeface="+mn-cs"/>
+              </a:rPr>
+              <a:t>• 59% of cities showed growth (69/117)</a:t>
+            </a:r>
+          </a:p>
+          <a:p>
+            <a:pPr defTabSz="457200">
+              <a:lnSpc>
+                <a:spcPct val="130000"/>
+              </a:lnSpc>
+              <a:spcAft>
+                <a:spcPts val="600"/>
+              </a:spcAft>
+              <a:buClrTx/>
+              <a:buFontTx/>
+              <a:buNone/>
+              <a:defRPr sz="1200"/>
+            </a:pPr>
+            <a:r>
+              <a:rPr sz="1200" kern="1200" dirty="0">
+                <a:solidFill>
+                  <a:prstClr val="black"/>
+                </a:solidFill>
+                <a:latin typeface="Calibri"/>
+                <a:ea typeface="+mn-ea"/>
+                <a:cs typeface="+mn-cs"/>
+              </a:rPr>
+              <a:t>• Top: Oxnard, CA +26.5%</a:t>
             </a:r>
           </a:p>
         </p:txBody>
@@ -22888,7 +23063,142 @@
         </p:nvSpPr>
         <p:spPr>
           <a:xfrm>
-            <a:off x="381000" y="1889760"/>
+            <a:off x="380999" y="2257965"/>
+            <a:ext cx="3664786" cy="261610"/>
+          </a:xfrm>
+          <a:prstGeom prst="rect">
+            <a:avLst/>
+          </a:prstGeom>
+          <a:solidFill>
+            <a:srgbClr val="FFFFFF"/>
+          </a:solidFill>
+        </p:spPr>
+        <p:txBody>
+          <a:bodyPr wrap="none">
+            <a:spAutoFit/>
+          </a:bodyPr>
+          <a:lstStyle/>
+          <a:p>
+            <a:pPr defTabSz="457200">
+              <a:buClrTx/>
+              <a:buFontTx/>
+              <a:buNone/>
+              <a:defRPr sz="1100"/>
+            </a:pPr>
+            <a:r>
+              <a:rPr sz="1100" kern="1200" dirty="0">
+                <a:solidFill>
+                  <a:prstClr val="black"/>
+                </a:solidFill>
+                <a:latin typeface="Calibri"/>
+                <a:ea typeface="+mn-ea"/>
+                <a:cs typeface="+mn-cs"/>
+              </a:rPr>
+              <a:t>1. Progress is slow: </a:t>
+            </a:r>
+            <a:r>
+              <a:rPr lang="en-GB" sz="1100" kern="1200" dirty="0">
+                <a:solidFill>
+                  <a:prstClr val="black"/>
+                </a:solidFill>
+                <a:latin typeface="Calibri"/>
+                <a:ea typeface="+mn-ea"/>
+                <a:cs typeface="+mn-cs"/>
+              </a:rPr>
+              <a:t>82</a:t>
+            </a:r>
+            <a:r>
+              <a:rPr sz="1100" kern="1200" dirty="0">
+                <a:solidFill>
+                  <a:prstClr val="black"/>
+                </a:solidFill>
+                <a:latin typeface="Calibri"/>
+                <a:ea typeface="+mn-ea"/>
+                <a:cs typeface="+mn-cs"/>
+              </a:rPr>
+              <a:t>% </a:t>
+            </a:r>
+            <a:r>
+              <a:rPr lang="en-GB" sz="1100" kern="1200" dirty="0">
+                <a:solidFill>
+                  <a:prstClr val="black"/>
+                </a:solidFill>
+                <a:latin typeface="Calibri"/>
+                <a:ea typeface="+mn-ea"/>
+                <a:cs typeface="+mn-cs"/>
+              </a:rPr>
+              <a:t>of cities </a:t>
+            </a:r>
+            <a:r>
+              <a:rPr sz="1100" kern="1200" dirty="0">
+                <a:solidFill>
+                  <a:prstClr val="black"/>
+                </a:solidFill>
+                <a:latin typeface="Calibri"/>
+                <a:ea typeface="+mn-ea"/>
+                <a:cs typeface="+mn-cs"/>
+              </a:rPr>
+              <a:t>growth but &lt;</a:t>
+            </a:r>
+            <a:r>
+              <a:rPr lang="en-GB" sz="1100" kern="1200" dirty="0">
+                <a:solidFill>
+                  <a:prstClr val="black"/>
+                </a:solidFill>
+                <a:latin typeface="Calibri"/>
+                <a:ea typeface="+mn-ea"/>
+                <a:cs typeface="+mn-cs"/>
+              </a:rPr>
+              <a:t>60</a:t>
+            </a:r>
+            <a:r>
+              <a:rPr sz="1100" kern="1200" dirty="0">
+                <a:solidFill>
+                  <a:prstClr val="black"/>
+                </a:solidFill>
+                <a:latin typeface="Calibri"/>
+                <a:ea typeface="+mn-ea"/>
+                <a:cs typeface="+mn-cs"/>
+              </a:rPr>
+              <a:t>%</a:t>
+            </a:r>
+            <a:r>
+              <a:rPr lang="en-GB" sz="1100" kern="1200" dirty="0">
+                <a:solidFill>
+                  <a:prstClr val="black"/>
+                </a:solidFill>
+                <a:latin typeface="Calibri"/>
+                <a:ea typeface="+mn-ea"/>
+                <a:cs typeface="+mn-cs"/>
+              </a:rPr>
+              <a:t> for women</a:t>
+            </a:r>
+            <a:endParaRPr sz="1100" kern="1200" dirty="0">
+              <a:solidFill>
+                <a:prstClr val="black"/>
+              </a:solidFill>
+              <a:latin typeface="Calibri"/>
+              <a:ea typeface="+mn-ea"/>
+              <a:cs typeface="+mn-cs"/>
+            </a:endParaRPr>
+          </a:p>
+        </p:txBody>
+      </p:sp>
+      <p:sp>
+        <p:nvSpPr>
+          <p:cNvPr id="40" name="TextBox 39">
+            <a:extLst>
+              <a:ext uri="{FF2B5EF4-FFF2-40B4-BE49-F238E27FC236}">
+                <a16:creationId xmlns:a16="http://schemas.microsoft.com/office/drawing/2014/main" id="{A3D8294D-EE22-B296-AD68-526F94FB4B97}"/>
+              </a:ext>
+            </a:extLst>
+          </p:cNvPr>
+          <p:cNvSpPr txBox="1"/>
+          <p:nvPr/>
+        </p:nvSpPr>
+        <p:spPr>
+          <a:xfrm>
+            <a:off x="380999" y="2600864"/>
             <a:ext cx="8229600" cy="320040"/>
           </a:xfrm>
           <a:prstGeom prst="rect">
@@ -22911,57 +23221,7 @@
               <a:defRPr sz="1100"/>
             </a:pPr>
             <a:r>
-              <a:rPr sz="1100" kern="1200">
-                <a:solidFill>
-                  <a:prstClr val="black"/>
-                </a:solidFill>
-                <a:latin typeface="Calibri"/>
-                <a:ea typeface="+mn-ea"/>
-                <a:cs typeface="+mn-cs"/>
-              </a:rPr>
-              <a:t>1. Progress is slow: 80% growth but &lt;30% representation</a:t>
-            </a:r>
-          </a:p>
-        </p:txBody>
-      </p:sp>
-      <p:sp>
-        <p:nvSpPr>
-          <p:cNvPr id="40" name="TextBox 39">
-            <a:extLst>
-              <a:ext uri="{FF2B5EF4-FFF2-40B4-BE49-F238E27FC236}">
-                <a16:creationId xmlns:a16="http://schemas.microsoft.com/office/drawing/2014/main" id="{A3D8294D-EE22-B296-AD68-526F94FB4B97}"/>
-              </a:ext>
-            </a:extLst>
-          </p:cNvPr>
-          <p:cNvSpPr txBox="1"/>
-          <p:nvPr/>
-        </p:nvSpPr>
-        <p:spPr>
-          <a:xfrm>
-            <a:off x="381000" y="2255519"/>
-            <a:ext cx="8229600" cy="320040"/>
-          </a:xfrm>
-          <a:prstGeom prst="rect">
-            <a:avLst/>
-          </a:prstGeom>
-          <a:solidFill>
-            <a:srgbClr val="FFFFFF"/>
-          </a:solidFill>
-        </p:spPr>
-        <p:txBody>
-          <a:bodyPr wrap="none">
-            <a:spAutoFit/>
-          </a:bodyPr>
-          <a:lstStyle/>
-          <a:p>
-            <a:pPr defTabSz="457200">
-              <a:buClrTx/>
-              <a:buFontTx/>
-              <a:buNone/>
-              <a:defRPr sz="1100"/>
-            </a:pPr>
-            <a:r>
-              <a:rPr sz="1100" kern="1200">
+              <a:rPr sz="1100" kern="1200" dirty="0">
                 <a:solidFill>
                   <a:prstClr val="black"/>
                 </a:solidFill>
@@ -22988,7 +23248,7 @@
         </p:nvSpPr>
         <p:spPr>
           <a:xfrm>
-            <a:off x="381000" y="2621280"/>
+            <a:off x="380999" y="2920904"/>
             <a:ext cx="8229600" cy="320040"/>
           </a:xfrm>
           <a:prstGeom prst="rect">
@@ -23011,7 +23271,7 @@
               <a:defRPr sz="1100"/>
             </a:pPr>
             <a:r>
-              <a:rPr sz="1100" kern="1200">
+              <a:rPr sz="1100" kern="1200" dirty="0">
                 <a:solidFill>
                   <a:prstClr val="black"/>
                 </a:solidFill>
@@ -23038,7 +23298,7 @@
         </p:nvSpPr>
         <p:spPr>
           <a:xfrm>
-            <a:off x="381000" y="3169920"/>
+            <a:off x="381000" y="3665133"/>
             <a:ext cx="8229600" cy="274320"/>
           </a:xfrm>
           <a:prstGeom prst="rect">
@@ -23090,7 +23350,7 @@
         </p:nvSpPr>
         <p:spPr>
           <a:xfrm>
-            <a:off x="381000" y="3535680"/>
+            <a:off x="381000" y="4030893"/>
             <a:ext cx="1920240" cy="548640"/>
           </a:xfrm>
           <a:prstGeom prst="rect">
@@ -23163,7 +23423,7 @@
         </p:nvSpPr>
         <p:spPr>
           <a:xfrm>
-            <a:off x="2484120" y="3535680"/>
+            <a:off x="2484120" y="4030893"/>
             <a:ext cx="1920240" cy="548640"/>
           </a:xfrm>
           <a:prstGeom prst="rect">
@@ -23236,7 +23496,7 @@
         </p:nvSpPr>
         <p:spPr>
           <a:xfrm>
-            <a:off x="4587240" y="3535680"/>
+            <a:off x="4587240" y="4030893"/>
             <a:ext cx="1920240" cy="548640"/>
           </a:xfrm>
           <a:prstGeom prst="rect">
@@ -23309,7 +23569,7 @@
         </p:nvSpPr>
         <p:spPr>
           <a:xfrm>
-            <a:off x="6690359" y="3535680"/>
+            <a:off x="6690359" y="4030893"/>
             <a:ext cx="1920240" cy="548640"/>
           </a:xfrm>
           <a:prstGeom prst="rect">
@@ -23364,6 +23624,58 @@
                 <a:cs typeface="+mn-cs"/>
               </a:rPr>
               <a:t>Join networks</a:t>
+            </a:r>
+          </a:p>
+        </p:txBody>
+      </p:sp>
+      <p:sp>
+        <p:nvSpPr>
+          <p:cNvPr id="2" name="TextBox 1">
+            <a:extLst>
+              <a:ext uri="{FF2B5EF4-FFF2-40B4-BE49-F238E27FC236}">
+                <a16:creationId xmlns:a16="http://schemas.microsoft.com/office/drawing/2014/main" id="{E6B906A9-3195-E21A-0F3C-5C631E67A0EE}"/>
+              </a:ext>
+            </a:extLst>
+          </p:cNvPr>
+          <p:cNvSpPr txBox="1"/>
+          <p:nvPr/>
+        </p:nvSpPr>
+        <p:spPr>
+          <a:xfrm>
+            <a:off x="380999" y="1907371"/>
+            <a:ext cx="5542030" cy="276999"/>
+          </a:xfrm>
+          <a:prstGeom prst="rect">
+            <a:avLst/>
+          </a:prstGeom>
+          <a:noFill/>
+        </p:spPr>
+        <p:txBody>
+          <a:bodyPr wrap="none">
+            <a:spAutoFit/>
+          </a:bodyPr>
+          <a:lstStyle/>
+          <a:p>
+            <a:pPr defTabSz="457200">
+              <a:buClrTx/>
+              <a:buFontTx/>
+              <a:buNone/>
+              <a:defRPr sz="1600" b="1">
+                <a:solidFill>
+                  <a:srgbClr val="6B46C1"/>
+                </a:solidFill>
+              </a:defRPr>
+            </a:pPr>
+            <a:r>
+              <a:rPr sz="1200" b="1" kern="1200" dirty="0">
+                <a:solidFill>
+                  <a:srgbClr val="14B8A6"/>
+                </a:solidFill>
+                <a:latin typeface="Calibri"/>
+                <a:ea typeface="+mn-ea"/>
+                <a:cs typeface="+mn-cs"/>
+              </a:rPr>
+              <a:t>• Women in STEM are growing 2.8% - outpacing overall STEM growth (1.2%) by 2.3x</a:t>
             </a:r>
           </a:p>
         </p:txBody>
